--- a/ref/DAC Education.pptx
+++ b/ref/DAC Education.pptx
@@ -13,6 +13,10 @@
     <p:sldId id="258" r:id="rId8"/>
     <p:sldId id="259" r:id="rId9"/>
     <p:sldId id="260" r:id="rId10"/>
+    <p:sldId id="261" r:id="rId11"/>
+    <p:sldId id="262" r:id="rId12"/>
+    <p:sldId id="263" r:id="rId13"/>
+    <p:sldId id="264" r:id="rId14"/>
   </p:sldIdLst>
   <p:sldSz cy="5143500" cx="9144000"/>
   <p:notesSz cy="9144000" cx="6858000"/>
@@ -459,7 +463,7 @@
         </p:spPr>
         <p:txBody>
           <a:bodyPr bIns="91425" rIns="91425" lIns="91425" tIns="91425" anchor="t" anchorCtr="0">
-            <a:noAutofit/>
+            <a:spAutoFit/>
           </a:bodyPr>
           <a:lstStyle/>
           <a:p>
@@ -564,7 +568,7 @@
         </p:spPr>
         <p:txBody>
           <a:bodyPr bIns="91425" rIns="91425" lIns="91425" tIns="91425" anchor="t" anchorCtr="0">
-            <a:noAutofit/>
+            <a:spAutoFit/>
           </a:bodyPr>
           <a:lstStyle/>
           <a:p>
@@ -669,7 +673,7 @@
         </p:spPr>
         <p:txBody>
           <a:bodyPr bIns="91425" rIns="91425" lIns="91425" tIns="91425" anchor="t" anchorCtr="0">
-            <a:noAutofit/>
+            <a:spAutoFit/>
           </a:bodyPr>
           <a:lstStyle/>
           <a:p>
@@ -774,7 +778,7 @@
         </p:spPr>
         <p:txBody>
           <a:bodyPr bIns="91425" rIns="91425" lIns="91425" tIns="91425" anchor="t" anchorCtr="0">
-            <a:noAutofit/>
+            <a:spAutoFit/>
           </a:bodyPr>
           <a:lstStyle/>
           <a:p>
@@ -879,7 +883,427 @@
         </p:spPr>
         <p:txBody>
           <a:bodyPr bIns="91425" rIns="91425" lIns="91425" tIns="91425" anchor="t" anchorCtr="0">
-            <a:noAutofit/>
+            <a:spAutoFit/>
+          </a:bodyPr>
+          <a:lstStyle/>
+          <a:p>
+            <a:pPr>
+              <a:spcBef>
+                <a:spcPts val="0"/>
+              </a:spcBef>
+              <a:buNone/>
+            </a:pPr>
+            <a:r>
+              <a:t/>
+            </a:r>
+            <a:endParaRPr/>
+          </a:p>
+        </p:txBody>
+      </p:sp>
+    </p:spTree>
+  </p:cSld>
+  <p:clrMapOvr>
+    <a:masterClrMapping/>
+  </p:clrMapOvr>
+</p:notes>
+</file>
+
+<file path=ppt/notesSlides/notesSlide6.xml><?xml version="1.0" encoding="utf-8"?>
+<p:notes xmlns:a="http://schemas.openxmlformats.org/drawingml/2006/main" xmlns:r="http://schemas.openxmlformats.org/officeDocument/2006/relationships" xmlns:mc="http://schemas.openxmlformats.org/markup-compatibility/2006" xmlns:mv="urn:schemas-microsoft-com:mac:vml" xmlns:p="http://schemas.openxmlformats.org/presentationml/2006/main" xmlns:c="http://schemas.openxmlformats.org/drawingml/2006/chart" xmlns:dgm="http://schemas.openxmlformats.org/drawingml/2006/diagram" xmlns:o="urn:schemas-microsoft-com:office:office" xmlns:v="urn:schemas-microsoft-com:vml" xmlns:pvml="urn:schemas-microsoft-com:office:powerpoint" xmlns:com="http://schemas.openxmlformats.org/drawingml/2006/compatibility" xmlns:p14="http://schemas.microsoft.com/office/powerpoint/2010/main" showMasterSp="0" showMasterPhAnim="0">
+  <p:cSld>
+    <p:spTree>
+      <p:nvGrpSpPr>
+        <p:cNvPr id="60" name="Shape 60"/>
+        <p:cNvGrpSpPr/>
+        <p:nvPr/>
+      </p:nvGrpSpPr>
+      <p:grpSpPr>
+        <a:xfrm>
+          <a:off y="0" x="0"/>
+          <a:ext cy="0" cx="0"/>
+          <a:chOff y="0" x="0"/>
+          <a:chExt cy="0" cx="0"/>
+        </a:xfrm>
+      </p:grpSpPr>
+      <p:sp>
+        <p:nvSpPr>
+          <p:cNvPr id="61" name="Shape 61"/>
+          <p:cNvSpPr/>
+          <p:nvPr>
+            <p:ph idx="2" type="sldImg"/>
+          </p:nvPr>
+        </p:nvSpPr>
+        <p:spPr>
+          <a:xfrm>
+            <a:off y="685800" x="381187"/>
+            <a:ext cy="3429000" cx="6096299"/>
+          </a:xfrm>
+          <a:custGeom>
+            <a:pathLst>
+              <a:path w="120000" extrusionOk="0" h="120000">
+                <a:moveTo>
+                  <a:pt y="0" x="0"/>
+                </a:moveTo>
+                <a:lnTo>
+                  <a:pt y="0" x="120000"/>
+                </a:lnTo>
+                <a:lnTo>
+                  <a:pt y="120000" x="120000"/>
+                </a:lnTo>
+                <a:lnTo>
+                  <a:pt y="120000" x="0"/>
+                </a:lnTo>
+                <a:close/>
+              </a:path>
+            </a:pathLst>
+          </a:custGeom>
+          <a:noFill/>
+          <a:ln w="9525" cap="flat">
+            <a:solidFill>
+              <a:srgbClr val="000000"/>
+            </a:solidFill>
+            <a:prstDash val="solid"/>
+            <a:round/>
+            <a:headEnd w="med" len="med" type="none"/>
+            <a:tailEnd w="med" len="med" type="none"/>
+          </a:ln>
+        </p:spPr>
+      </p:sp>
+      <p:sp>
+        <p:nvSpPr>
+          <p:cNvPr id="62" name="Shape 62"/>
+          <p:cNvSpPr txBox="1"/>
+          <p:nvPr>
+            <p:ph idx="1" type="body"/>
+          </p:nvPr>
+        </p:nvSpPr>
+        <p:spPr>
+          <a:xfrm>
+            <a:off y="4343400" x="685800"/>
+            <a:ext cy="4114800" cx="5486399"/>
+          </a:xfrm>
+          <a:prstGeom prst="rect">
+            <a:avLst/>
+          </a:prstGeom>
+        </p:spPr>
+        <p:txBody>
+          <a:bodyPr bIns="91425" rIns="91425" lIns="91425" tIns="91425" anchor="t" anchorCtr="0">
+            <a:spAutoFit/>
+          </a:bodyPr>
+          <a:lstStyle/>
+          <a:p>
+            <a:pPr>
+              <a:spcBef>
+                <a:spcPts val="0"/>
+              </a:spcBef>
+              <a:buNone/>
+            </a:pPr>
+            <a:r>
+              <a:t/>
+            </a:r>
+            <a:endParaRPr/>
+          </a:p>
+        </p:txBody>
+      </p:sp>
+    </p:spTree>
+  </p:cSld>
+  <p:clrMapOvr>
+    <a:masterClrMapping/>
+  </p:clrMapOvr>
+</p:notes>
+</file>
+
+<file path=ppt/notesSlides/notesSlide7.xml><?xml version="1.0" encoding="utf-8"?>
+<p:notes xmlns:a="http://schemas.openxmlformats.org/drawingml/2006/main" xmlns:r="http://schemas.openxmlformats.org/officeDocument/2006/relationships" xmlns:mc="http://schemas.openxmlformats.org/markup-compatibility/2006" xmlns:mv="urn:schemas-microsoft-com:mac:vml" xmlns:p="http://schemas.openxmlformats.org/presentationml/2006/main" xmlns:c="http://schemas.openxmlformats.org/drawingml/2006/chart" xmlns:dgm="http://schemas.openxmlformats.org/drawingml/2006/diagram" xmlns:o="urn:schemas-microsoft-com:office:office" xmlns:v="urn:schemas-microsoft-com:vml" xmlns:pvml="urn:schemas-microsoft-com:office:powerpoint" xmlns:com="http://schemas.openxmlformats.org/drawingml/2006/compatibility" xmlns:p14="http://schemas.microsoft.com/office/powerpoint/2010/main" showMasterSp="0" showMasterPhAnim="0">
+  <p:cSld>
+    <p:spTree>
+      <p:nvGrpSpPr>
+        <p:cNvPr id="66" name="Shape 66"/>
+        <p:cNvGrpSpPr/>
+        <p:nvPr/>
+      </p:nvGrpSpPr>
+      <p:grpSpPr>
+        <a:xfrm>
+          <a:off y="0" x="0"/>
+          <a:ext cy="0" cx="0"/>
+          <a:chOff y="0" x="0"/>
+          <a:chExt cy="0" cx="0"/>
+        </a:xfrm>
+      </p:grpSpPr>
+      <p:sp>
+        <p:nvSpPr>
+          <p:cNvPr id="67" name="Shape 67"/>
+          <p:cNvSpPr/>
+          <p:nvPr>
+            <p:ph idx="2" type="sldImg"/>
+          </p:nvPr>
+        </p:nvSpPr>
+        <p:spPr>
+          <a:xfrm>
+            <a:off y="685800" x="381187"/>
+            <a:ext cy="3429000" cx="6096299"/>
+          </a:xfrm>
+          <a:custGeom>
+            <a:pathLst>
+              <a:path w="120000" extrusionOk="0" h="120000">
+                <a:moveTo>
+                  <a:pt y="0" x="0"/>
+                </a:moveTo>
+                <a:lnTo>
+                  <a:pt y="0" x="120000"/>
+                </a:lnTo>
+                <a:lnTo>
+                  <a:pt y="120000" x="120000"/>
+                </a:lnTo>
+                <a:lnTo>
+                  <a:pt y="120000" x="0"/>
+                </a:lnTo>
+                <a:close/>
+              </a:path>
+            </a:pathLst>
+          </a:custGeom>
+          <a:noFill/>
+          <a:ln w="9525" cap="flat">
+            <a:solidFill>
+              <a:srgbClr val="000000"/>
+            </a:solidFill>
+            <a:prstDash val="solid"/>
+            <a:round/>
+            <a:headEnd w="med" len="med" type="none"/>
+            <a:tailEnd w="med" len="med" type="none"/>
+          </a:ln>
+        </p:spPr>
+      </p:sp>
+      <p:sp>
+        <p:nvSpPr>
+          <p:cNvPr id="68" name="Shape 68"/>
+          <p:cNvSpPr txBox="1"/>
+          <p:nvPr>
+            <p:ph idx="1" type="body"/>
+          </p:nvPr>
+        </p:nvSpPr>
+        <p:spPr>
+          <a:xfrm>
+            <a:off y="4343400" x="685800"/>
+            <a:ext cy="4114800" cx="5486399"/>
+          </a:xfrm>
+          <a:prstGeom prst="rect">
+            <a:avLst/>
+          </a:prstGeom>
+        </p:spPr>
+        <p:txBody>
+          <a:bodyPr bIns="91425" rIns="91425" lIns="91425" tIns="91425" anchor="t" anchorCtr="0">
+            <a:spAutoFit/>
+          </a:bodyPr>
+          <a:lstStyle/>
+          <a:p>
+            <a:pPr>
+              <a:spcBef>
+                <a:spcPts val="0"/>
+              </a:spcBef>
+              <a:buNone/>
+            </a:pPr>
+            <a:r>
+              <a:t/>
+            </a:r>
+            <a:endParaRPr/>
+          </a:p>
+        </p:txBody>
+      </p:sp>
+    </p:spTree>
+  </p:cSld>
+  <p:clrMapOvr>
+    <a:masterClrMapping/>
+  </p:clrMapOvr>
+</p:notes>
+</file>
+
+<file path=ppt/notesSlides/notesSlide8.xml><?xml version="1.0" encoding="utf-8"?>
+<p:notes xmlns:a="http://schemas.openxmlformats.org/drawingml/2006/main" xmlns:r="http://schemas.openxmlformats.org/officeDocument/2006/relationships" xmlns:mc="http://schemas.openxmlformats.org/markup-compatibility/2006" xmlns:mv="urn:schemas-microsoft-com:mac:vml" xmlns:p="http://schemas.openxmlformats.org/presentationml/2006/main" xmlns:c="http://schemas.openxmlformats.org/drawingml/2006/chart" xmlns:dgm="http://schemas.openxmlformats.org/drawingml/2006/diagram" xmlns:o="urn:schemas-microsoft-com:office:office" xmlns:v="urn:schemas-microsoft-com:vml" xmlns:pvml="urn:schemas-microsoft-com:office:powerpoint" xmlns:com="http://schemas.openxmlformats.org/drawingml/2006/compatibility" xmlns:p14="http://schemas.microsoft.com/office/powerpoint/2010/main" showMasterSp="0" showMasterPhAnim="0">
+  <p:cSld>
+    <p:spTree>
+      <p:nvGrpSpPr>
+        <p:cNvPr id="72" name="Shape 72"/>
+        <p:cNvGrpSpPr/>
+        <p:nvPr/>
+      </p:nvGrpSpPr>
+      <p:grpSpPr>
+        <a:xfrm>
+          <a:off y="0" x="0"/>
+          <a:ext cy="0" cx="0"/>
+          <a:chOff y="0" x="0"/>
+          <a:chExt cy="0" cx="0"/>
+        </a:xfrm>
+      </p:grpSpPr>
+      <p:sp>
+        <p:nvSpPr>
+          <p:cNvPr id="73" name="Shape 73"/>
+          <p:cNvSpPr/>
+          <p:nvPr>
+            <p:ph idx="2" type="sldImg"/>
+          </p:nvPr>
+        </p:nvSpPr>
+        <p:spPr>
+          <a:xfrm>
+            <a:off y="685800" x="381187"/>
+            <a:ext cy="3429000" cx="6096299"/>
+          </a:xfrm>
+          <a:custGeom>
+            <a:pathLst>
+              <a:path w="120000" extrusionOk="0" h="120000">
+                <a:moveTo>
+                  <a:pt y="0" x="0"/>
+                </a:moveTo>
+                <a:lnTo>
+                  <a:pt y="0" x="120000"/>
+                </a:lnTo>
+                <a:lnTo>
+                  <a:pt y="120000" x="120000"/>
+                </a:lnTo>
+                <a:lnTo>
+                  <a:pt y="120000" x="0"/>
+                </a:lnTo>
+                <a:close/>
+              </a:path>
+            </a:pathLst>
+          </a:custGeom>
+          <a:noFill/>
+          <a:ln w="9525" cap="flat">
+            <a:solidFill>
+              <a:srgbClr val="000000"/>
+            </a:solidFill>
+            <a:prstDash val="solid"/>
+            <a:round/>
+            <a:headEnd w="med" len="med" type="none"/>
+            <a:tailEnd w="med" len="med" type="none"/>
+          </a:ln>
+        </p:spPr>
+      </p:sp>
+      <p:sp>
+        <p:nvSpPr>
+          <p:cNvPr id="74" name="Shape 74"/>
+          <p:cNvSpPr txBox="1"/>
+          <p:nvPr>
+            <p:ph idx="1" type="body"/>
+          </p:nvPr>
+        </p:nvSpPr>
+        <p:spPr>
+          <a:xfrm>
+            <a:off y="4343400" x="685800"/>
+            <a:ext cy="4114800" cx="5486399"/>
+          </a:xfrm>
+          <a:prstGeom prst="rect">
+            <a:avLst/>
+          </a:prstGeom>
+        </p:spPr>
+        <p:txBody>
+          <a:bodyPr bIns="91425" rIns="91425" lIns="91425" tIns="91425" anchor="t" anchorCtr="0">
+            <a:spAutoFit/>
+          </a:bodyPr>
+          <a:lstStyle/>
+          <a:p>
+            <a:pPr>
+              <a:spcBef>
+                <a:spcPts val="0"/>
+              </a:spcBef>
+              <a:buNone/>
+            </a:pPr>
+            <a:r>
+              <a:t/>
+            </a:r>
+            <a:endParaRPr/>
+          </a:p>
+        </p:txBody>
+      </p:sp>
+    </p:spTree>
+  </p:cSld>
+  <p:clrMapOvr>
+    <a:masterClrMapping/>
+  </p:clrMapOvr>
+</p:notes>
+</file>
+
+<file path=ppt/notesSlides/notesSlide9.xml><?xml version="1.0" encoding="utf-8"?>
+<p:notes xmlns:a="http://schemas.openxmlformats.org/drawingml/2006/main" xmlns:r="http://schemas.openxmlformats.org/officeDocument/2006/relationships" xmlns:mc="http://schemas.openxmlformats.org/markup-compatibility/2006" xmlns:mv="urn:schemas-microsoft-com:mac:vml" xmlns:p="http://schemas.openxmlformats.org/presentationml/2006/main" xmlns:c="http://schemas.openxmlformats.org/drawingml/2006/chart" xmlns:dgm="http://schemas.openxmlformats.org/drawingml/2006/diagram" xmlns:o="urn:schemas-microsoft-com:office:office" xmlns:v="urn:schemas-microsoft-com:vml" xmlns:pvml="urn:schemas-microsoft-com:office:powerpoint" xmlns:com="http://schemas.openxmlformats.org/drawingml/2006/compatibility" xmlns:p14="http://schemas.microsoft.com/office/powerpoint/2010/main" showMasterSp="0" showMasterPhAnim="0">
+  <p:cSld>
+    <p:spTree>
+      <p:nvGrpSpPr>
+        <p:cNvPr id="78" name="Shape 78"/>
+        <p:cNvGrpSpPr/>
+        <p:nvPr/>
+      </p:nvGrpSpPr>
+      <p:grpSpPr>
+        <a:xfrm>
+          <a:off y="0" x="0"/>
+          <a:ext cy="0" cx="0"/>
+          <a:chOff y="0" x="0"/>
+          <a:chExt cy="0" cx="0"/>
+        </a:xfrm>
+      </p:grpSpPr>
+      <p:sp>
+        <p:nvSpPr>
+          <p:cNvPr id="79" name="Shape 79"/>
+          <p:cNvSpPr/>
+          <p:nvPr>
+            <p:ph idx="2" type="sldImg"/>
+          </p:nvPr>
+        </p:nvSpPr>
+        <p:spPr>
+          <a:xfrm>
+            <a:off y="685800" x="381187"/>
+            <a:ext cy="3429000" cx="6096299"/>
+          </a:xfrm>
+          <a:custGeom>
+            <a:pathLst>
+              <a:path w="120000" extrusionOk="0" h="120000">
+                <a:moveTo>
+                  <a:pt y="0" x="0"/>
+                </a:moveTo>
+                <a:lnTo>
+                  <a:pt y="0" x="120000"/>
+                </a:lnTo>
+                <a:lnTo>
+                  <a:pt y="120000" x="120000"/>
+                </a:lnTo>
+                <a:lnTo>
+                  <a:pt y="120000" x="0"/>
+                </a:lnTo>
+                <a:close/>
+              </a:path>
+            </a:pathLst>
+          </a:custGeom>
+          <a:noFill/>
+          <a:ln w="9525" cap="flat">
+            <a:solidFill>
+              <a:srgbClr val="000000"/>
+            </a:solidFill>
+            <a:prstDash val="solid"/>
+            <a:round/>
+            <a:headEnd w="med" len="med" type="none"/>
+            <a:tailEnd w="med" len="med" type="none"/>
+          </a:ln>
+        </p:spPr>
+      </p:sp>
+      <p:sp>
+        <p:nvSpPr>
+          <p:cNvPr id="80" name="Shape 80"/>
+          <p:cNvSpPr txBox="1"/>
+          <p:nvPr>
+            <p:ph idx="1" type="body"/>
+          </p:nvPr>
+        </p:nvSpPr>
+        <p:spPr>
+          <a:xfrm>
+            <a:off y="4343400" x="685800"/>
+            <a:ext cy="4114800" cx="5486399"/>
+          </a:xfrm>
+          <a:prstGeom prst="rect">
+            <a:avLst/>
+          </a:prstGeom>
+        </p:spPr>
+        <p:txBody>
+          <a:bodyPr bIns="91425" rIns="91425" lIns="91425" tIns="91425" anchor="t" anchorCtr="0">
+            <a:spAutoFit/>
           </a:bodyPr>
           <a:lstStyle/>
           <a:p>
@@ -944,7 +1368,7 @@
         </p:spPr>
         <p:txBody>
           <a:bodyPr bIns="45700" rIns="91425" lIns="91425" tIns="45700" anchor="ctr" anchorCtr="0">
-            <a:noAutofit/>
+            <a:spAutoFit/>
           </a:bodyPr>
           <a:lstStyle/>
           <a:p>
@@ -1317,7 +1741,7 @@
         </p:spPr>
         <p:txBody>
           <a:bodyPr bIns="45700" rIns="91425" lIns="91425" tIns="45700" anchor="ctr" anchorCtr="0">
-            <a:noAutofit/>
+            <a:spAutoFit/>
           </a:bodyPr>
           <a:lstStyle/>
           <a:p>
@@ -1538,7 +1962,7 @@
         </p:spPr>
         <p:txBody>
           <a:bodyPr bIns="45700" rIns="91425" lIns="91425" tIns="45700" anchor="ctr" anchorCtr="0">
-            <a:noAutofit/>
+            <a:spAutoFit/>
           </a:bodyPr>
           <a:lstStyle/>
           <a:p>
@@ -1837,7 +2261,7 @@
         </p:spPr>
         <p:txBody>
           <a:bodyPr bIns="45700" rIns="91425" lIns="91425" tIns="45700" anchor="ctr" anchorCtr="0">
-            <a:noAutofit/>
+            <a:spAutoFit/>
           </a:bodyPr>
           <a:lstStyle/>
           <a:p>
@@ -1980,7 +2404,7 @@
         </p:spPr>
         <p:txBody>
           <a:bodyPr bIns="45700" rIns="91425" lIns="91425" tIns="45700" anchor="ctr" anchorCtr="0">
-            <a:noAutofit/>
+            <a:spAutoFit/>
           </a:bodyPr>
           <a:lstStyle/>
           <a:p>
@@ -2941,7 +3365,7 @@
         </p:spPr>
         <p:txBody>
           <a:bodyPr bIns="91425" rIns="91425" lIns="91425" tIns="91425" anchor="b" anchorCtr="0">
-            <a:noAutofit/>
+            <a:spAutoFit/>
           </a:bodyPr>
           <a:lstStyle/>
           <a:p>
@@ -2977,7 +3401,7 @@
         </p:spPr>
         <p:txBody>
           <a:bodyPr bIns="91425" rIns="91425" lIns="91425" tIns="91425" anchor="ctr" anchorCtr="0">
-            <a:noAutofit/>
+            <a:spAutoFit/>
           </a:bodyPr>
           <a:lstStyle/>
           <a:p>
@@ -3041,7 +3465,7 @@
         </p:spPr>
         <p:txBody>
           <a:bodyPr bIns="91425" rIns="91425" lIns="91425" tIns="91425" anchor="b" anchorCtr="0">
-            <a:noAutofit/>
+            <a:spAutoFit/>
           </a:bodyPr>
           <a:lstStyle/>
           <a:p>
@@ -3077,7 +3501,7 @@
         </p:spPr>
         <p:txBody>
           <a:bodyPr bIns="91425" rIns="91425" lIns="91425" tIns="91425" anchor="t" anchorCtr="0">
-            <a:noAutofit/>
+            <a:spAutoFit/>
           </a:bodyPr>
           <a:lstStyle/>
           <a:p>
@@ -3282,7 +3706,7 @@
         </p:spPr>
         <p:txBody>
           <a:bodyPr bIns="91425" rIns="91425" lIns="91425" tIns="91425" anchor="b" anchorCtr="0">
-            <a:noAutofit/>
+            <a:spAutoFit/>
           </a:bodyPr>
           <a:lstStyle/>
           <a:p>
@@ -3318,7 +3742,7 @@
         </p:spPr>
         <p:txBody>
           <a:bodyPr bIns="91425" rIns="91425" lIns="91425" tIns="91425" anchor="t" anchorCtr="0">
-            <a:noAutofit/>
+            <a:spAutoFit/>
           </a:bodyPr>
           <a:lstStyle/>
           <a:p>
@@ -3455,7 +3879,7 @@
         </p:spPr>
         <p:txBody>
           <a:bodyPr bIns="91425" rIns="91425" lIns="91425" tIns="91425" anchor="b" anchorCtr="0">
-            <a:noAutofit/>
+            <a:spAutoFit/>
           </a:bodyPr>
           <a:lstStyle/>
           <a:p>
@@ -3467,7 +3891,7 @@
             </a:pPr>
             <a:r>
               <a:rPr lang="en"/>
-              <a:t>Hash table</a:t>
+              <a:t>Hash Table</a:t>
             </a:r>
           </a:p>
         </p:txBody>
@@ -3491,7 +3915,7 @@
         </p:spPr>
         <p:txBody>
           <a:bodyPr bIns="91425" rIns="91425" lIns="91425" tIns="91425" anchor="t" anchorCtr="0">
-            <a:noAutofit/>
+            <a:spAutoFit/>
           </a:bodyPr>
           <a:lstStyle/>
           <a:p>
@@ -3594,7 +4018,7 @@
         </p:spPr>
         <p:txBody>
           <a:bodyPr bIns="91425" rIns="91425" lIns="91425" tIns="91425" anchor="b" anchorCtr="0">
-            <a:noAutofit/>
+            <a:spAutoFit/>
           </a:bodyPr>
           <a:lstStyle/>
           <a:p>
@@ -3630,7 +4054,7 @@
         </p:spPr>
         <p:txBody>
           <a:bodyPr bIns="91425" rIns="91425" lIns="91425" tIns="91425" anchor="t" anchorCtr="0">
-            <a:noAutofit/>
+            <a:spAutoFit/>
           </a:bodyPr>
           <a:lstStyle/>
           <a:p>
@@ -3717,6 +4141,1157 @@
               <a:rPr lang="en"/>
               <a:t>Decentralized distributed systems work because all participants follow same protocol (swarm computing)</a:t>
             </a:r>
+          </a:p>
+        </p:txBody>
+      </p:sp>
+    </p:spTree>
+  </p:cSld>
+  <p:clrMapOvr>
+    <a:masterClrMapping/>
+  </p:clrMapOvr>
+  <p:transition spd="slow">
+    <p:cut/>
+  </p:transition>
+</p:sld>
+</file>
+
+<file path=ppt/slides/slide6.xml><?xml version="1.0" encoding="utf-8"?>
+<p:sld xmlns:a="http://schemas.openxmlformats.org/drawingml/2006/main" xmlns:r="http://schemas.openxmlformats.org/officeDocument/2006/relationships" xmlns:mc="http://schemas.openxmlformats.org/markup-compatibility/2006" xmlns:mv="urn:schemas-microsoft-com:mac:vml" xmlns:p="http://schemas.openxmlformats.org/presentationml/2006/main" xmlns:c="http://schemas.openxmlformats.org/drawingml/2006/chart" xmlns:dgm="http://schemas.openxmlformats.org/drawingml/2006/diagram" xmlns:o="urn:schemas-microsoft-com:office:office" xmlns:v="urn:schemas-microsoft-com:vml" xmlns:pvml="urn:schemas-microsoft-com:office:powerpoint" xmlns:com="http://schemas.openxmlformats.org/drawingml/2006/compatibility" xmlns:p14="http://schemas.microsoft.com/office/powerpoint/2010/main">
+  <p:cSld>
+    <p:spTree>
+      <p:nvGrpSpPr>
+        <p:cNvPr id="57" name="Shape 57"/>
+        <p:cNvGrpSpPr/>
+        <p:nvPr/>
+      </p:nvGrpSpPr>
+      <p:grpSpPr>
+        <a:xfrm>
+          <a:off y="0" x="0"/>
+          <a:ext cy="0" cx="0"/>
+          <a:chOff y="0" x="0"/>
+          <a:chExt cy="0" cx="0"/>
+        </a:xfrm>
+      </p:grpSpPr>
+      <p:sp>
+        <p:nvSpPr>
+          <p:cNvPr id="58" name="Shape 58"/>
+          <p:cNvSpPr txBox="1"/>
+          <p:nvPr>
+            <p:ph type="title"/>
+          </p:nvPr>
+        </p:nvSpPr>
+        <p:spPr>
+          <a:xfrm>
+            <a:off y="205977" x="457200"/>
+            <a:ext cy="1141499" cx="8229600"/>
+          </a:xfrm>
+          <a:prstGeom prst="rect">
+            <a:avLst/>
+          </a:prstGeom>
+        </p:spPr>
+        <p:txBody>
+          <a:bodyPr bIns="91425" rIns="91425" lIns="91425" tIns="91425" anchor="b" anchorCtr="0">
+            <a:spAutoFit/>
+          </a:bodyPr>
+          <a:lstStyle/>
+          <a:p>
+            <a:pPr>
+              <a:spcBef>
+                <a:spcPts val="0"/>
+              </a:spcBef>
+              <a:buNone/>
+            </a:pPr>
+            <a:r>
+              <a:rPr lang="en"/>
+              <a:t>Certificate</a:t>
+            </a:r>
+          </a:p>
+        </p:txBody>
+      </p:sp>
+      <p:sp>
+        <p:nvSpPr>
+          <p:cNvPr id="59" name="Shape 59"/>
+          <p:cNvSpPr txBox="1"/>
+          <p:nvPr>
+            <p:ph idx="1" type="body"/>
+          </p:nvPr>
+        </p:nvSpPr>
+        <p:spPr>
+          <a:xfrm>
+            <a:off y="1460499" x="457200"/>
+            <a:ext cy="3465299" cx="8229600"/>
+          </a:xfrm>
+          <a:prstGeom prst="rect">
+            <a:avLst/>
+          </a:prstGeom>
+        </p:spPr>
+        <p:txBody>
+          <a:bodyPr bIns="91425" rIns="91425" lIns="91425" tIns="91425" anchor="t" anchorCtr="0">
+            <a:spAutoFit/>
+          </a:bodyPr>
+          <a:lstStyle/>
+          <a:p>
+            <a:pPr rtl="0" lvl="0" indent="-298450" marL="685800">
+              <a:lnSpc>
+                <a:spcPct val="152727"/>
+              </a:lnSpc>
+              <a:spcBef>
+                <a:spcPts val="300"/>
+              </a:spcBef>
+              <a:spcAft>
+                <a:spcPts val="100"/>
+              </a:spcAft>
+              <a:buClr>
+                <a:srgbClr val="252525"/>
+              </a:buClr>
+              <a:buSzPct val="100000"/>
+              <a:buFont typeface="Arial"/>
+              <a:buChar char="●"/>
+            </a:pPr>
+            <a:r>
+              <a:rPr sz="1100" lang="en">
+                <a:solidFill>
+                  <a:srgbClr val="252525"/>
+                </a:solidFill>
+              </a:rPr>
+              <a:t>X509 Certificate</a:t>
+            </a:r>
+          </a:p>
+          <a:p>
+            <a:pPr rtl="0" lvl="1" indent="-298450" marL="1371600">
+              <a:lnSpc>
+                <a:spcPct val="160000"/>
+              </a:lnSpc>
+              <a:spcBef>
+                <a:spcPts val="600"/>
+              </a:spcBef>
+              <a:spcAft>
+                <a:spcPts val="200"/>
+              </a:spcAft>
+              <a:buClr>
+                <a:srgbClr val="252525"/>
+              </a:buClr>
+              <a:buSzPct val="100000"/>
+              <a:buFont typeface="Arial"/>
+              <a:buChar char="●"/>
+            </a:pPr>
+            <a:r>
+              <a:rPr sz="1100" lang="en">
+                <a:solidFill>
+                  <a:srgbClr val="252525"/>
+                </a:solidFill>
+              </a:rPr>
+              <a:t>Version</a:t>
+            </a:r>
+          </a:p>
+          <a:p>
+            <a:pPr rtl="0" lvl="1" indent="-298450" marL="1371600">
+              <a:lnSpc>
+                <a:spcPct val="160000"/>
+              </a:lnSpc>
+              <a:spcBef>
+                <a:spcPts val="600"/>
+              </a:spcBef>
+              <a:spcAft>
+                <a:spcPts val="200"/>
+              </a:spcAft>
+              <a:buClr>
+                <a:srgbClr val="252525"/>
+              </a:buClr>
+              <a:buSzPct val="100000"/>
+              <a:buFont typeface="Arial"/>
+              <a:buChar char="●"/>
+            </a:pPr>
+            <a:r>
+              <a:rPr sz="1100" lang="en">
+                <a:solidFill>
+                  <a:srgbClr val="252525"/>
+                </a:solidFill>
+              </a:rPr>
+              <a:t>Serial Number</a:t>
+            </a:r>
+          </a:p>
+          <a:p>
+            <a:pPr rtl="0" lvl="1" indent="-298450" marL="1371600">
+              <a:lnSpc>
+                <a:spcPct val="160000"/>
+              </a:lnSpc>
+              <a:spcBef>
+                <a:spcPts val="600"/>
+              </a:spcBef>
+              <a:spcAft>
+                <a:spcPts val="200"/>
+              </a:spcAft>
+              <a:buClr>
+                <a:srgbClr val="252525"/>
+              </a:buClr>
+              <a:buSzPct val="100000"/>
+              <a:buFont typeface="Arial"/>
+              <a:buChar char="●"/>
+            </a:pPr>
+            <a:r>
+              <a:rPr sz="1100" lang="en">
+                <a:solidFill>
+                  <a:srgbClr val="252525"/>
+                </a:solidFill>
+              </a:rPr>
+              <a:t>Algorithm ID</a:t>
+            </a:r>
+          </a:p>
+          <a:p>
+            <a:pPr rtl="0" lvl="1" indent="-298450" marL="1371600">
+              <a:lnSpc>
+                <a:spcPct val="160000"/>
+              </a:lnSpc>
+              <a:spcBef>
+                <a:spcPts val="600"/>
+              </a:spcBef>
+              <a:spcAft>
+                <a:spcPts val="200"/>
+              </a:spcAft>
+              <a:buClr>
+                <a:srgbClr val="252525"/>
+              </a:buClr>
+              <a:buSzPct val="100000"/>
+              <a:buFont typeface="Arial"/>
+              <a:buChar char="●"/>
+            </a:pPr>
+            <a:r>
+              <a:rPr sz="1100" lang="en">
+                <a:solidFill>
+                  <a:srgbClr val="252525"/>
+                </a:solidFill>
+              </a:rPr>
+              <a:t>Issuer</a:t>
+            </a:r>
+          </a:p>
+          <a:p>
+            <a:pPr rtl="0" lvl="1" indent="-298450" marL="1371600">
+              <a:lnSpc>
+                <a:spcPct val="160000"/>
+              </a:lnSpc>
+              <a:spcBef>
+                <a:spcPts val="600"/>
+              </a:spcBef>
+              <a:spcAft>
+                <a:spcPts val="200"/>
+              </a:spcAft>
+              <a:buClr>
+                <a:srgbClr val="252525"/>
+              </a:buClr>
+              <a:buSzPct val="100000"/>
+              <a:buFont typeface="Arial"/>
+              <a:buChar char="●"/>
+            </a:pPr>
+            <a:r>
+              <a:rPr sz="1100" lang="en">
+                <a:solidFill>
+                  <a:srgbClr val="252525"/>
+                </a:solidFill>
+              </a:rPr>
+              <a:t>Validity</a:t>
+            </a:r>
+          </a:p>
+          <a:p>
+            <a:pPr rtl="0" lvl="2" indent="-298450" marL="2057400">
+              <a:lnSpc>
+                <a:spcPct val="160000"/>
+              </a:lnSpc>
+              <a:spcBef>
+                <a:spcPts val="900"/>
+              </a:spcBef>
+              <a:spcAft>
+                <a:spcPts val="300"/>
+              </a:spcAft>
+              <a:buClr>
+                <a:srgbClr val="252525"/>
+              </a:buClr>
+              <a:buSzPct val="100000"/>
+              <a:buFont typeface="Arial"/>
+              <a:buChar char="●"/>
+            </a:pPr>
+            <a:r>
+              <a:rPr sz="1100" lang="en">
+                <a:solidFill>
+                  <a:srgbClr val="252525"/>
+                </a:solidFill>
+              </a:rPr>
+              <a:t>Not Before</a:t>
+            </a:r>
+          </a:p>
+          <a:p>
+            <a:pPr rtl="0" lvl="2" indent="-298450" marL="2057400">
+              <a:lnSpc>
+                <a:spcPct val="160000"/>
+              </a:lnSpc>
+              <a:spcBef>
+                <a:spcPts val="900"/>
+              </a:spcBef>
+              <a:spcAft>
+                <a:spcPts val="300"/>
+              </a:spcAft>
+              <a:buClr>
+                <a:srgbClr val="252525"/>
+              </a:buClr>
+              <a:buSzPct val="100000"/>
+              <a:buFont typeface="Arial"/>
+              <a:buChar char="●"/>
+            </a:pPr>
+            <a:r>
+              <a:rPr sz="1100" lang="en">
+                <a:solidFill>
+                  <a:srgbClr val="252525"/>
+                </a:solidFill>
+              </a:rPr>
+              <a:t>Not After</a:t>
+            </a:r>
+          </a:p>
+          <a:p>
+            <a:pPr rtl="0" lvl="1" indent="-298450" marL="1371600">
+              <a:lnSpc>
+                <a:spcPct val="160000"/>
+              </a:lnSpc>
+              <a:spcBef>
+                <a:spcPts val="600"/>
+              </a:spcBef>
+              <a:spcAft>
+                <a:spcPts val="200"/>
+              </a:spcAft>
+              <a:buClr>
+                <a:srgbClr val="252525"/>
+              </a:buClr>
+              <a:buSzPct val="100000"/>
+              <a:buFont typeface="Arial"/>
+              <a:buChar char="●"/>
+            </a:pPr>
+            <a:r>
+              <a:rPr sz="1100" lang="en">
+                <a:solidFill>
+                  <a:srgbClr val="252525"/>
+                </a:solidFill>
+              </a:rPr>
+              <a:t>Subject</a:t>
+            </a:r>
+          </a:p>
+          <a:p>
+            <a:pPr rtl="0" lvl="1" indent="-298450" marL="1371600">
+              <a:lnSpc>
+                <a:spcPct val="160000"/>
+              </a:lnSpc>
+              <a:spcBef>
+                <a:spcPts val="600"/>
+              </a:spcBef>
+              <a:spcAft>
+                <a:spcPts val="200"/>
+              </a:spcAft>
+              <a:buClr>
+                <a:srgbClr val="252525"/>
+              </a:buClr>
+              <a:buSzPct val="100000"/>
+              <a:buFont typeface="Arial"/>
+              <a:buChar char="●"/>
+            </a:pPr>
+            <a:r>
+              <a:rPr sz="1100" lang="en">
+                <a:solidFill>
+                  <a:srgbClr val="252525"/>
+                </a:solidFill>
+              </a:rPr>
+              <a:t>Subject Public Key Info</a:t>
+            </a:r>
+          </a:p>
+          <a:p>
+            <a:pPr rtl="0" lvl="2" indent="-298450" marL="2057400">
+              <a:lnSpc>
+                <a:spcPct val="160000"/>
+              </a:lnSpc>
+              <a:spcBef>
+                <a:spcPts val="900"/>
+              </a:spcBef>
+              <a:spcAft>
+                <a:spcPts val="300"/>
+              </a:spcAft>
+              <a:buClr>
+                <a:srgbClr val="252525"/>
+              </a:buClr>
+              <a:buSzPct val="100000"/>
+              <a:buFont typeface="Arial"/>
+              <a:buChar char="●"/>
+            </a:pPr>
+            <a:r>
+              <a:rPr sz="1100" lang="en">
+                <a:solidFill>
+                  <a:srgbClr val="252525"/>
+                </a:solidFill>
+              </a:rPr>
+              <a:t>Public Key Algorithm</a:t>
+            </a:r>
+          </a:p>
+          <a:p>
+            <a:pPr rtl="0" lvl="2" indent="-298450" marL="2057400">
+              <a:lnSpc>
+                <a:spcPct val="160000"/>
+              </a:lnSpc>
+              <a:spcBef>
+                <a:spcPts val="900"/>
+              </a:spcBef>
+              <a:spcAft>
+                <a:spcPts val="300"/>
+              </a:spcAft>
+              <a:buClr>
+                <a:srgbClr val="252525"/>
+              </a:buClr>
+              <a:buSzPct val="100000"/>
+              <a:buFont typeface="Arial"/>
+              <a:buChar char="●"/>
+            </a:pPr>
+            <a:r>
+              <a:rPr sz="1100" lang="en">
+                <a:solidFill>
+                  <a:srgbClr val="252525"/>
+                </a:solidFill>
+              </a:rPr>
+              <a:t>Subject Public Key</a:t>
+            </a:r>
+          </a:p>
+          <a:p>
+            <a:pPr algn="l" rtl="0" lvl="0" marR="0" indent="0" marL="457200">
+              <a:lnSpc>
+                <a:spcPct val="160000"/>
+              </a:lnSpc>
+              <a:spcBef>
+                <a:spcPts val="600"/>
+              </a:spcBef>
+              <a:spcAft>
+                <a:spcPts val="200"/>
+              </a:spcAft>
+              <a:buNone/>
+            </a:pPr>
+            <a:r>
+              <a:t/>
+            </a:r>
+            <a:endParaRPr/>
+          </a:p>
+        </p:txBody>
+      </p:sp>
+    </p:spTree>
+  </p:cSld>
+  <p:clrMapOvr>
+    <a:masterClrMapping/>
+  </p:clrMapOvr>
+  <p:transition spd="slow">
+    <p:cut/>
+  </p:transition>
+</p:sld>
+</file>
+
+<file path=ppt/slides/slide7.xml><?xml version="1.0" encoding="utf-8"?>
+<p:sld xmlns:a="http://schemas.openxmlformats.org/drawingml/2006/main" xmlns:r="http://schemas.openxmlformats.org/officeDocument/2006/relationships" xmlns:mc="http://schemas.openxmlformats.org/markup-compatibility/2006" xmlns:mv="urn:schemas-microsoft-com:mac:vml" xmlns:p="http://schemas.openxmlformats.org/presentationml/2006/main" xmlns:c="http://schemas.openxmlformats.org/drawingml/2006/chart" xmlns:dgm="http://schemas.openxmlformats.org/drawingml/2006/diagram" xmlns:o="urn:schemas-microsoft-com:office:office" xmlns:v="urn:schemas-microsoft-com:vml" xmlns:pvml="urn:schemas-microsoft-com:office:powerpoint" xmlns:com="http://schemas.openxmlformats.org/drawingml/2006/compatibility" xmlns:p14="http://schemas.microsoft.com/office/powerpoint/2010/main">
+  <p:cSld>
+    <p:spTree>
+      <p:nvGrpSpPr>
+        <p:cNvPr id="63" name="Shape 63"/>
+        <p:cNvGrpSpPr/>
+        <p:nvPr/>
+      </p:nvGrpSpPr>
+      <p:grpSpPr>
+        <a:xfrm>
+          <a:off y="0" x="0"/>
+          <a:ext cy="0" cx="0"/>
+          <a:chOff y="0" x="0"/>
+          <a:chExt cy="0" cx="0"/>
+        </a:xfrm>
+      </p:grpSpPr>
+      <p:sp>
+        <p:nvSpPr>
+          <p:cNvPr id="64" name="Shape 64"/>
+          <p:cNvSpPr txBox="1"/>
+          <p:nvPr>
+            <p:ph type="title"/>
+          </p:nvPr>
+        </p:nvSpPr>
+        <p:spPr>
+          <a:xfrm>
+            <a:off y="205977" x="457200"/>
+            <a:ext cy="1141499" cx="8229600"/>
+          </a:xfrm>
+          <a:prstGeom prst="rect">
+            <a:avLst/>
+          </a:prstGeom>
+        </p:spPr>
+        <p:txBody>
+          <a:bodyPr bIns="91425" rIns="91425" lIns="91425" tIns="91425" anchor="b" anchorCtr="0">
+            <a:spAutoFit/>
+          </a:bodyPr>
+          <a:lstStyle/>
+          <a:p>
+            <a:pPr>
+              <a:spcBef>
+                <a:spcPts val="0"/>
+              </a:spcBef>
+              <a:buNone/>
+            </a:pPr>
+            <a:r>
+              <a:rPr lang="en"/>
+              <a:t>Certificate cont.</a:t>
+            </a:r>
+          </a:p>
+        </p:txBody>
+      </p:sp>
+      <p:sp>
+        <p:nvSpPr>
+          <p:cNvPr id="65" name="Shape 65"/>
+          <p:cNvSpPr txBox="1"/>
+          <p:nvPr>
+            <p:ph idx="1" type="body"/>
+          </p:nvPr>
+        </p:nvSpPr>
+        <p:spPr>
+          <a:xfrm>
+            <a:off y="1460499" x="457200"/>
+            <a:ext cy="3465299" cx="8229600"/>
+          </a:xfrm>
+          <a:prstGeom prst="rect">
+            <a:avLst/>
+          </a:prstGeom>
+        </p:spPr>
+        <p:txBody>
+          <a:bodyPr bIns="91425" rIns="91425" lIns="91425" tIns="91425" anchor="t" anchorCtr="0">
+            <a:spAutoFit/>
+          </a:bodyPr>
+          <a:lstStyle/>
+          <a:p>
+            <a:pPr rtl="0" lvl="1" indent="-298450" marL="1371600">
+              <a:lnSpc>
+                <a:spcPct val="160000"/>
+              </a:lnSpc>
+              <a:spcBef>
+                <a:spcPts val="600"/>
+              </a:spcBef>
+              <a:spcAft>
+                <a:spcPts val="200"/>
+              </a:spcAft>
+              <a:buClr>
+                <a:srgbClr val="252525"/>
+              </a:buClr>
+              <a:buSzPct val="100000"/>
+              <a:buFont typeface="Arial"/>
+              <a:buChar char="●"/>
+            </a:pPr>
+            <a:r>
+              <a:rPr sz="1100" lang="en">
+                <a:solidFill>
+                  <a:srgbClr val="252525"/>
+                </a:solidFill>
+              </a:rPr>
+              <a:t>Issuer Unique Identifier (optional)</a:t>
+            </a:r>
+          </a:p>
+          <a:p>
+            <a:pPr rtl="0" lvl="1" indent="-298450" marL="1371600">
+              <a:lnSpc>
+                <a:spcPct val="160000"/>
+              </a:lnSpc>
+              <a:spcBef>
+                <a:spcPts val="600"/>
+              </a:spcBef>
+              <a:spcAft>
+                <a:spcPts val="200"/>
+              </a:spcAft>
+              <a:buClr>
+                <a:srgbClr val="252525"/>
+              </a:buClr>
+              <a:buSzPct val="100000"/>
+              <a:buFont typeface="Arial"/>
+              <a:buChar char="●"/>
+            </a:pPr>
+            <a:r>
+              <a:rPr sz="1100" lang="en">
+                <a:solidFill>
+                  <a:srgbClr val="252525"/>
+                </a:solidFill>
+              </a:rPr>
+              <a:t>Subject Unique Identifier (optional)</a:t>
+            </a:r>
+          </a:p>
+          <a:p>
+            <a:pPr rtl="0" lvl="1" indent="-298450" marL="1371600">
+              <a:lnSpc>
+                <a:spcPct val="160000"/>
+              </a:lnSpc>
+              <a:spcBef>
+                <a:spcPts val="600"/>
+              </a:spcBef>
+              <a:spcAft>
+                <a:spcPts val="200"/>
+              </a:spcAft>
+              <a:buClr>
+                <a:srgbClr val="252525"/>
+              </a:buClr>
+              <a:buSzPct val="100000"/>
+              <a:buFont typeface="Arial"/>
+              <a:buChar char="●"/>
+            </a:pPr>
+            <a:r>
+              <a:rPr sz="1100" lang="en">
+                <a:solidFill>
+                  <a:srgbClr val="252525"/>
+                </a:solidFill>
+              </a:rPr>
+              <a:t>Extensions (optional)</a:t>
+            </a:r>
+          </a:p>
+          <a:p>
+            <a:pPr rtl="0" lvl="2" indent="-298450" marL="2057400">
+              <a:lnSpc>
+                <a:spcPct val="160000"/>
+              </a:lnSpc>
+              <a:spcBef>
+                <a:spcPts val="900"/>
+              </a:spcBef>
+              <a:spcAft>
+                <a:spcPts val="300"/>
+              </a:spcAft>
+              <a:buClr>
+                <a:srgbClr val="252525"/>
+              </a:buClr>
+              <a:buSzPct val="100000"/>
+              <a:buFont typeface="Arial"/>
+              <a:buChar char="●"/>
+            </a:pPr>
+            <a:r>
+              <a:rPr sz="1100" lang="en">
+                <a:solidFill>
+                  <a:srgbClr val="252525"/>
+                </a:solidFill>
+              </a:rPr>
+              <a:t>...</a:t>
+            </a:r>
+          </a:p>
+          <a:p>
+            <a:pPr rtl="0" lvl="0" indent="-298450" marL="685800">
+              <a:lnSpc>
+                <a:spcPct val="152727"/>
+              </a:lnSpc>
+              <a:spcBef>
+                <a:spcPts val="300"/>
+              </a:spcBef>
+              <a:spcAft>
+                <a:spcPts val="100"/>
+              </a:spcAft>
+              <a:buClr>
+                <a:srgbClr val="252525"/>
+              </a:buClr>
+              <a:buSzPct val="100000"/>
+              <a:buFont typeface="Arial"/>
+              <a:buChar char="●"/>
+            </a:pPr>
+            <a:r>
+              <a:rPr sz="1100" lang="en">
+                <a:solidFill>
+                  <a:srgbClr val="252525"/>
+                </a:solidFill>
+              </a:rPr>
+              <a:t>Certificate Signature Algorithm</a:t>
+            </a:r>
+          </a:p>
+          <a:p>
+            <a:pPr lvl="0" indent="-298450" marL="685800">
+              <a:lnSpc>
+                <a:spcPct val="152727"/>
+              </a:lnSpc>
+              <a:spcBef>
+                <a:spcPts val="300"/>
+              </a:spcBef>
+              <a:spcAft>
+                <a:spcPts val="100"/>
+              </a:spcAft>
+              <a:buClr>
+                <a:srgbClr val="252525"/>
+              </a:buClr>
+              <a:buSzPct val="100000"/>
+              <a:buFont typeface="Arial"/>
+              <a:buChar char="●"/>
+            </a:pPr>
+            <a:r>
+              <a:rPr sz="1100" lang="en">
+                <a:solidFill>
+                  <a:srgbClr val="252525"/>
+                </a:solidFill>
+              </a:rPr>
+              <a:t>Certificate Signature</a:t>
+            </a:r>
+          </a:p>
+        </p:txBody>
+      </p:sp>
+    </p:spTree>
+  </p:cSld>
+  <p:clrMapOvr>
+    <a:masterClrMapping/>
+  </p:clrMapOvr>
+  <p:transition spd="slow">
+    <p:cut/>
+  </p:transition>
+</p:sld>
+</file>
+
+<file path=ppt/slides/slide8.xml><?xml version="1.0" encoding="utf-8"?>
+<p:sld xmlns:a="http://schemas.openxmlformats.org/drawingml/2006/main" xmlns:r="http://schemas.openxmlformats.org/officeDocument/2006/relationships" xmlns:mc="http://schemas.openxmlformats.org/markup-compatibility/2006" xmlns:mv="urn:schemas-microsoft-com:mac:vml" xmlns:p="http://schemas.openxmlformats.org/presentationml/2006/main" xmlns:c="http://schemas.openxmlformats.org/drawingml/2006/chart" xmlns:dgm="http://schemas.openxmlformats.org/drawingml/2006/diagram" xmlns:o="urn:schemas-microsoft-com:office:office" xmlns:v="urn:schemas-microsoft-com:vml" xmlns:pvml="urn:schemas-microsoft-com:office:powerpoint" xmlns:com="http://schemas.openxmlformats.org/drawingml/2006/compatibility" xmlns:p14="http://schemas.microsoft.com/office/powerpoint/2010/main">
+  <p:cSld>
+    <p:spTree>
+      <p:nvGrpSpPr>
+        <p:cNvPr id="69" name="Shape 69"/>
+        <p:cNvGrpSpPr/>
+        <p:nvPr/>
+      </p:nvGrpSpPr>
+      <p:grpSpPr>
+        <a:xfrm>
+          <a:off y="0" x="0"/>
+          <a:ext cy="0" cx="0"/>
+          <a:chOff y="0" x="0"/>
+          <a:chExt cy="0" cx="0"/>
+        </a:xfrm>
+      </p:grpSpPr>
+      <p:sp>
+        <p:nvSpPr>
+          <p:cNvPr id="70" name="Shape 70"/>
+          <p:cNvSpPr txBox="1"/>
+          <p:nvPr>
+            <p:ph type="title"/>
+          </p:nvPr>
+        </p:nvSpPr>
+        <p:spPr>
+          <a:xfrm>
+            <a:off y="205977" x="457200"/>
+            <a:ext cy="1141499" cx="8229600"/>
+          </a:xfrm>
+          <a:prstGeom prst="rect">
+            <a:avLst/>
+          </a:prstGeom>
+        </p:spPr>
+        <p:txBody>
+          <a:bodyPr bIns="91425" rIns="91425" lIns="91425" tIns="91425" anchor="b" anchorCtr="0">
+            <a:spAutoFit/>
+          </a:bodyPr>
+          <a:lstStyle/>
+          <a:p>
+            <a:pPr>
+              <a:spcBef>
+                <a:spcPts val="0"/>
+              </a:spcBef>
+              <a:buNone/>
+            </a:pPr>
+            <a:r>
+              <a:rPr lang="en"/>
+              <a:t>Web of Trust</a:t>
+            </a:r>
+          </a:p>
+        </p:txBody>
+      </p:sp>
+      <p:sp>
+        <p:nvSpPr>
+          <p:cNvPr id="71" name="Shape 71"/>
+          <p:cNvSpPr txBox="1"/>
+          <p:nvPr>
+            <p:ph idx="1" type="body"/>
+          </p:nvPr>
+        </p:nvSpPr>
+        <p:spPr>
+          <a:xfrm>
+            <a:off y="1460499" x="457200"/>
+            <a:ext cy="3465299" cx="8229600"/>
+          </a:xfrm>
+          <a:prstGeom prst="rect">
+            <a:avLst/>
+          </a:prstGeom>
+        </p:spPr>
+        <p:txBody>
+          <a:bodyPr bIns="91425" rIns="91425" lIns="91425" tIns="91425" anchor="t" anchorCtr="0">
+            <a:spAutoFit/>
+          </a:bodyPr>
+          <a:lstStyle/>
+          <a:p>
+            <a:pPr rtl="0" lvl="0" indent="-419100" marL="457200">
+              <a:spcBef>
+                <a:spcPts val="0"/>
+              </a:spcBef>
+              <a:buClr>
+                <a:schemeClr val="dk2"/>
+              </a:buClr>
+              <a:buSzPct val="100000"/>
+              <a:buFont typeface="Arial"/>
+              <a:buChar char="●"/>
+            </a:pPr>
+            <a:r>
+              <a:rPr lang="en"/>
+              <a:t>Instead of a central authority signing all certificates, individuals sign each other’s certificates.</a:t>
+            </a:r>
+          </a:p>
+          <a:p>
+            <a:pPr rtl="0" lvl="0" indent="-419100" marL="457200">
+              <a:spcBef>
+                <a:spcPts val="0"/>
+              </a:spcBef>
+              <a:buClr>
+                <a:schemeClr val="dk2"/>
+              </a:buClr>
+              <a:buSzPct val="100000"/>
+              <a:buFont typeface="Arial"/>
+              <a:buChar char="●"/>
+            </a:pPr>
+            <a:r>
+              <a:rPr lang="en"/>
+              <a:t>Authority is distributed, certificates are not.</a:t>
+            </a:r>
+          </a:p>
+          <a:p>
+            <a:pPr rtl="0" lvl="0" indent="-419100" marL="457200">
+              <a:spcBef>
+                <a:spcPts val="0"/>
+              </a:spcBef>
+              <a:buClr>
+                <a:schemeClr val="dk2"/>
+              </a:buClr>
+              <a:buSzPct val="100000"/>
+              <a:buFont typeface="Arial"/>
+              <a:buChar char="●"/>
+            </a:pPr>
+            <a:r>
+              <a:rPr lang="en"/>
+              <a:t>CA’s do a version of this where CA’s will sign the root certificate of another CA.</a:t>
+            </a:r>
+          </a:p>
+          <a:p>
+            <a:pPr lvl="0" indent="-419100" marL="457200">
+              <a:spcBef>
+                <a:spcPts val="0"/>
+              </a:spcBef>
+              <a:buClr>
+                <a:schemeClr val="dk2"/>
+              </a:buClr>
+              <a:buSzPct val="100000"/>
+              <a:buFont typeface="Arial"/>
+              <a:buChar char="●"/>
+            </a:pPr>
+            <a:r>
+              <a:rPr lang="en"/>
+              <a:t>Our DAC will have elements of WoT.</a:t>
+            </a:r>
+          </a:p>
+        </p:txBody>
+      </p:sp>
+    </p:spTree>
+  </p:cSld>
+  <p:clrMapOvr>
+    <a:masterClrMapping/>
+  </p:clrMapOvr>
+  <p:transition spd="slow">
+    <p:cut/>
+  </p:transition>
+</p:sld>
+</file>
+
+<file path=ppt/slides/slide9.xml><?xml version="1.0" encoding="utf-8"?>
+<p:sld xmlns:a="http://schemas.openxmlformats.org/drawingml/2006/main" xmlns:r="http://schemas.openxmlformats.org/officeDocument/2006/relationships" xmlns:mc="http://schemas.openxmlformats.org/markup-compatibility/2006" xmlns:mv="urn:schemas-microsoft-com:mac:vml" xmlns:p="http://schemas.openxmlformats.org/presentationml/2006/main" xmlns:c="http://schemas.openxmlformats.org/drawingml/2006/chart" xmlns:dgm="http://schemas.openxmlformats.org/drawingml/2006/diagram" xmlns:o="urn:schemas-microsoft-com:office:office" xmlns:v="urn:schemas-microsoft-com:vml" xmlns:pvml="urn:schemas-microsoft-com:office:powerpoint" xmlns:com="http://schemas.openxmlformats.org/drawingml/2006/compatibility" xmlns:p14="http://schemas.microsoft.com/office/powerpoint/2010/main">
+  <p:cSld>
+    <p:spTree>
+      <p:nvGrpSpPr>
+        <p:cNvPr id="75" name="Shape 75"/>
+        <p:cNvGrpSpPr/>
+        <p:nvPr/>
+      </p:nvGrpSpPr>
+      <p:grpSpPr>
+        <a:xfrm>
+          <a:off y="0" x="0"/>
+          <a:ext cy="0" cx="0"/>
+          <a:chOff y="0" x="0"/>
+          <a:chExt cy="0" cx="0"/>
+        </a:xfrm>
+      </p:grpSpPr>
+      <p:sp>
+        <p:nvSpPr>
+          <p:cNvPr id="76" name="Shape 76"/>
+          <p:cNvSpPr txBox="1"/>
+          <p:nvPr>
+            <p:ph type="title"/>
+          </p:nvPr>
+        </p:nvSpPr>
+        <p:spPr>
+          <a:xfrm>
+            <a:off y="205977" x="457200"/>
+            <a:ext cy="1141499" cx="8229600"/>
+          </a:xfrm>
+          <a:prstGeom prst="rect">
+            <a:avLst/>
+          </a:prstGeom>
+        </p:spPr>
+        <p:txBody>
+          <a:bodyPr bIns="91425" rIns="91425" lIns="91425" tIns="91425" anchor="b" anchorCtr="0">
+            <a:spAutoFit/>
+          </a:bodyPr>
+          <a:lstStyle/>
+          <a:p>
+            <a:pPr>
+              <a:spcBef>
+                <a:spcPts val="0"/>
+              </a:spcBef>
+              <a:buNone/>
+            </a:pPr>
+            <a:r>
+              <a:rPr lang="en"/>
+              <a:t>Node/Peer</a:t>
+            </a:r>
+          </a:p>
+        </p:txBody>
+      </p:sp>
+      <p:sp>
+        <p:nvSpPr>
+          <p:cNvPr id="77" name="Shape 77"/>
+          <p:cNvSpPr txBox="1"/>
+          <p:nvPr>
+            <p:ph idx="1" type="body"/>
+          </p:nvPr>
+        </p:nvSpPr>
+        <p:spPr>
+          <a:xfrm>
+            <a:off y="1460499" x="457200"/>
+            <a:ext cy="3465299" cx="8229600"/>
+          </a:xfrm>
+          <a:prstGeom prst="rect">
+            <a:avLst/>
+          </a:prstGeom>
+        </p:spPr>
+        <p:txBody>
+          <a:bodyPr bIns="91425" rIns="91425" lIns="91425" tIns="91425" anchor="t" anchorCtr="0">
+            <a:spAutoFit/>
+          </a:bodyPr>
+          <a:lstStyle/>
+          <a:p>
+            <a:pPr rtl="0" lvl="0">
+              <a:lnSpc>
+                <a:spcPct val="152727"/>
+              </a:lnSpc>
+              <a:spcBef>
+                <a:spcPts val="0"/>
+              </a:spcBef>
+              <a:spcAft>
+                <a:spcPts val="600"/>
+              </a:spcAft>
+              <a:buClr>
+                <a:schemeClr val="dk1"/>
+              </a:buClr>
+              <a:buSzPct val="61111"/>
+              <a:buFont typeface="Arial"/>
+              <a:buNone/>
+            </a:pPr>
+            <a:r>
+              <a:rPr sz="1800" lang="en">
+                <a:solidFill>
+                  <a:srgbClr val="252525"/>
+                </a:solidFill>
+              </a:rPr>
+              <a:t>Nodes are </a:t>
+            </a:r>
+            <a:r>
+              <a:rPr sz="1800" lang="en">
+                <a:solidFill>
+                  <a:srgbClr val="0B0080"/>
+                </a:solidFill>
+                <a:hlinkClick r:id="rId3"/>
+              </a:rPr>
+              <a:t>clients</a:t>
+            </a:r>
+            <a:r>
+              <a:rPr sz="1800" lang="en">
+                <a:solidFill>
+                  <a:srgbClr val="252525"/>
+                </a:solidFill>
+              </a:rPr>
+              <a:t>, </a:t>
+            </a:r>
+            <a:r>
+              <a:rPr sz="1800" lang="en">
+                <a:solidFill>
+                  <a:srgbClr val="0B0080"/>
+                </a:solidFill>
+                <a:hlinkClick r:id="rId4"/>
+              </a:rPr>
+              <a:t>servers</a:t>
+            </a:r>
+            <a:r>
+              <a:rPr sz="1800" lang="en">
+                <a:solidFill>
+                  <a:srgbClr val="252525"/>
+                </a:solidFill>
+              </a:rPr>
+              <a:t> or </a:t>
+            </a:r>
+            <a:r>
+              <a:rPr sz="1800" lang="en">
+                <a:solidFill>
+                  <a:srgbClr val="0B0080"/>
+                </a:solidFill>
+                <a:hlinkClick r:id="rId5"/>
+              </a:rPr>
+              <a:t>peers</a:t>
+            </a:r>
+            <a:r>
+              <a:rPr sz="1800" lang="en">
+                <a:solidFill>
+                  <a:srgbClr val="252525"/>
+                </a:solidFill>
+              </a:rPr>
+              <a:t>. A peer may sometimes serve as client, sometimes server. In a </a:t>
+            </a:r>
+            <a:r>
+              <a:rPr b="1" sz="1800" lang="en">
+                <a:solidFill>
+                  <a:srgbClr val="0B0080"/>
+                </a:solidFill>
+                <a:hlinkClick r:id="rId6"/>
+              </a:rPr>
+              <a:t>peer-to-peer</a:t>
+            </a:r>
+            <a:r>
+              <a:rPr sz="1800" lang="en">
+                <a:solidFill>
+                  <a:srgbClr val="252525"/>
+                </a:solidFill>
+              </a:rPr>
+              <a:t> or </a:t>
+            </a:r>
+            <a:r>
+              <a:rPr sz="1800" lang="en">
+                <a:solidFill>
+                  <a:srgbClr val="0B0080"/>
+                </a:solidFill>
+                <a:hlinkClick r:id="rId7"/>
+              </a:rPr>
+              <a:t>overlay network</a:t>
+            </a:r>
+            <a:r>
+              <a:rPr sz="1800" lang="en">
+                <a:solidFill>
+                  <a:srgbClr val="252525"/>
+                </a:solidFill>
+              </a:rPr>
+              <a:t>, nodes that actively route data for the other networked devices as well as themselves are called </a:t>
+            </a:r>
+            <a:r>
+              <a:rPr sz="1800" lang="en">
+                <a:solidFill>
+                  <a:srgbClr val="0B0080"/>
+                </a:solidFill>
+                <a:hlinkClick r:id="rId8"/>
+              </a:rPr>
+              <a:t>supernodes</a:t>
+            </a:r>
+            <a:r>
+              <a:rPr sz="1800" lang="en">
+                <a:solidFill>
+                  <a:srgbClr val="252525"/>
+                </a:solidFill>
+              </a:rPr>
+              <a:t>.</a:t>
+            </a:r>
+          </a:p>
+          <a:p>
+            <a:pPr rtl="0" lvl="0">
+              <a:lnSpc>
+                <a:spcPct val="152727"/>
+              </a:lnSpc>
+              <a:spcBef>
+                <a:spcPts val="0"/>
+              </a:spcBef>
+              <a:spcAft>
+                <a:spcPts val="600"/>
+              </a:spcAft>
+              <a:buClr>
+                <a:schemeClr val="dk1"/>
+              </a:buClr>
+              <a:buSzPct val="61111"/>
+              <a:buFont typeface="Arial"/>
+              <a:buNone/>
+            </a:pPr>
+            <a:r>
+              <a:rPr sz="1800" lang="en">
+                <a:solidFill>
+                  <a:srgbClr val="252525"/>
+                </a:solidFill>
+              </a:rPr>
+              <a:t>Distributed systems may sometimes use </a:t>
+            </a:r>
+            <a:r>
+              <a:rPr sz="1800" lang="en" i="1">
+                <a:solidFill>
+                  <a:srgbClr val="252525"/>
+                </a:solidFill>
+              </a:rPr>
+              <a:t>virtual nodes</a:t>
+            </a:r>
+            <a:r>
+              <a:rPr sz="1800" lang="en">
+                <a:solidFill>
+                  <a:srgbClr val="252525"/>
+                </a:solidFill>
+              </a:rPr>
+              <a:t> so that the system is not oblivious to the heterogeneity of the nodes. This issue is addressed with special algorithms, like </a:t>
+            </a:r>
+            <a:r>
+              <a:rPr sz="1800" lang="en">
+                <a:solidFill>
+                  <a:srgbClr val="0B0080"/>
+                </a:solidFill>
+                <a:hlinkClick r:id="rId9"/>
+              </a:rPr>
+              <a:t>consistent hashing</a:t>
+            </a:r>
+            <a:r>
+              <a:rPr sz="1800" lang="en">
+                <a:solidFill>
+                  <a:srgbClr val="252525"/>
+                </a:solidFill>
+              </a:rPr>
+              <a:t>, as it is the case in </a:t>
+            </a:r>
+            <a:r>
+              <a:rPr sz="1800" lang="en">
+                <a:solidFill>
+                  <a:srgbClr val="0B0080"/>
+                </a:solidFill>
+                <a:hlinkClick r:id="rId10"/>
+              </a:rPr>
+              <a:t>Amazon's</a:t>
+            </a:r>
+            <a:r>
+              <a:rPr sz="1800" lang="en">
+                <a:solidFill>
+                  <a:srgbClr val="252525"/>
+                </a:solidFill>
+              </a:rPr>
+              <a:t>.</a:t>
+            </a:r>
+            <a:r>
+              <a:rPr baseline="30000" sz="1800" lang="en">
+                <a:solidFill>
+                  <a:srgbClr val="0B0080"/>
+                </a:solidFill>
+                <a:hlinkClick r:id="rId11"/>
+              </a:rPr>
+              <a:t>[2]</a:t>
+            </a:r>
+          </a:p>
+          <a:p>
+            <a:pPr>
+              <a:spcBef>
+                <a:spcPts val="0"/>
+              </a:spcBef>
+              <a:buNone/>
+            </a:pPr>
+            <a:r>
+              <a:t/>
+            </a:r>
+            <a:endParaRPr sz="1800"/>
           </a:p>
         </p:txBody>
       </p:sp>
